--- a/data/aircraft-signatures.pptx
+++ b/data/aircraft-signatures.pptx
@@ -5,10 +5,11 @@
     <p:sldMasterId id="2147483648" r:id="rId1"/>
   </p:sldMasterIdLst>
   <p:notesMasterIdLst>
-    <p:notesMasterId r:id="rId3"/>
+    <p:notesMasterId r:id="rId4"/>
   </p:notesMasterIdLst>
   <p:sldIdLst>
     <p:sldId id="257" r:id="rId2"/>
+    <p:sldId id="258" r:id="rId3"/>
   </p:sldIdLst>
   <p:sldSz cx="12192000" cy="6858000"/>
   <p:notesSz cx="6858000" cy="9144000"/>
@@ -107,6 +108,11 @@
       </a:defRPr>
     </a:lvl9pPr>
   </p:defaultTextStyle>
+  <p:extLst>
+    <p:ext uri="{EFAFB233-063F-42B5-8137-9DF3F51BA10A}">
+      <p15:sldGuideLst xmlns:p15="http://schemas.microsoft.com/office/powerpoint/2012/main"/>
+    </p:ext>
+  </p:extLst>
 </p:presentation>
 </file>
 
@@ -739,6 +745,294 @@
     <p:extLst>
       <p:ext uri="{BB962C8B-B14F-4D97-AF65-F5344CB8AC3E}">
         <p14:creationId xmlns:p14="http://schemas.microsoft.com/office/powerpoint/2010/main" val="1449477303"/>
+      </p:ext>
+    </p:extLst>
+  </p:cSld>
+  <p:clrMapOvr>
+    <a:masterClrMapping/>
+  </p:clrMapOvr>
+</p:notes>
+</file>
+
+<file path=ppt/notesSlides/notesSlide2.xml><?xml version="1.0" encoding="utf-8"?>
+<p:notes xmlns:a="http://schemas.openxmlformats.org/drawingml/2006/main" xmlns:r="http://schemas.openxmlformats.org/officeDocument/2006/relationships" xmlns:p="http://schemas.openxmlformats.org/presentationml/2006/main">
+  <p:cSld>
+    <p:spTree>
+      <p:nvGrpSpPr>
+        <p:cNvPr id="1" name=""/>
+        <p:cNvGrpSpPr/>
+        <p:nvPr/>
+      </p:nvGrpSpPr>
+      <p:grpSpPr>
+        <a:xfrm>
+          <a:off x="0" y="0"/>
+          <a:ext cx="0" cy="0"/>
+          <a:chOff x="0" y="0"/>
+          <a:chExt cx="0" cy="0"/>
+        </a:xfrm>
+      </p:grpSpPr>
+      <p:sp>
+        <p:nvSpPr>
+          <p:cNvPr id="84994" name="Rectangle 7"/>
+          <p:cNvSpPr>
+            <a:spLocks noGrp="1" noChangeArrowheads="1"/>
+          </p:cNvSpPr>
+          <p:nvPr>
+            <p:ph type="sldNum" sz="quarter" idx="5"/>
+          </p:nvPr>
+        </p:nvSpPr>
+        <p:spPr>
+          <a:noFill/>
+          <a:ln/>
+          <a:extLst>
+            <a:ext uri="{909E8E84-426E-40DD-AFC4-6F175D3DCCD1}">
+              <a14:hiddenFill xmlns:a14="http://schemas.microsoft.com/office/drawing/2010/main">
+                <a:solidFill>
+                  <a:srgbClr val="FFFFFF"/>
+                </a:solidFill>
+              </a14:hiddenFill>
+            </a:ext>
+            <a:ext uri="{91240B29-F687-4F45-9708-019B960494DF}">
+              <a14:hiddenLine xmlns:a14="http://schemas.microsoft.com/office/drawing/2010/main" w="9525">
+                <a:solidFill>
+                  <a:srgbClr val="000000"/>
+                </a:solidFill>
+                <a:miter lim="800000"/>
+                <a:headEnd/>
+                <a:tailEnd/>
+              </a14:hiddenLine>
+            </a:ext>
+          </a:extLst>
+        </p:spPr>
+        <p:txBody>
+          <a:bodyPr/>
+          <a:lstStyle>
+            <a:lvl1pPr eaLnBrk="0" hangingPunct="0">
+              <a:defRPr sz="2400">
+                <a:solidFill>
+                  <a:schemeClr val="tx1"/>
+                </a:solidFill>
+                <a:latin typeface="Times New Roman" pitchFamily="18" charset="0"/>
+                <a:cs typeface="Times New Roman" pitchFamily="18" charset="0"/>
+              </a:defRPr>
+            </a:lvl1pPr>
+            <a:lvl2pPr marL="742950" indent="-285750" eaLnBrk="0" hangingPunct="0">
+              <a:defRPr sz="2400">
+                <a:solidFill>
+                  <a:schemeClr val="tx1"/>
+                </a:solidFill>
+                <a:latin typeface="Times New Roman" pitchFamily="18" charset="0"/>
+                <a:cs typeface="Times New Roman" pitchFamily="18" charset="0"/>
+              </a:defRPr>
+            </a:lvl2pPr>
+            <a:lvl3pPr marL="1143000" indent="-228600" eaLnBrk="0" hangingPunct="0">
+              <a:defRPr sz="2400">
+                <a:solidFill>
+                  <a:schemeClr val="tx1"/>
+                </a:solidFill>
+                <a:latin typeface="Times New Roman" pitchFamily="18" charset="0"/>
+                <a:cs typeface="Times New Roman" pitchFamily="18" charset="0"/>
+              </a:defRPr>
+            </a:lvl3pPr>
+            <a:lvl4pPr marL="1600200" indent="-228600" eaLnBrk="0" hangingPunct="0">
+              <a:defRPr sz="2400">
+                <a:solidFill>
+                  <a:schemeClr val="tx1"/>
+                </a:solidFill>
+                <a:latin typeface="Times New Roman" pitchFamily="18" charset="0"/>
+                <a:cs typeface="Times New Roman" pitchFamily="18" charset="0"/>
+              </a:defRPr>
+            </a:lvl4pPr>
+            <a:lvl5pPr marL="2057400" indent="-228600" eaLnBrk="0" hangingPunct="0">
+              <a:defRPr sz="2400">
+                <a:solidFill>
+                  <a:schemeClr val="tx1"/>
+                </a:solidFill>
+                <a:latin typeface="Times New Roman" pitchFamily="18" charset="0"/>
+                <a:cs typeface="Times New Roman" pitchFamily="18" charset="0"/>
+              </a:defRPr>
+            </a:lvl5pPr>
+            <a:lvl6pPr marL="2514600" indent="-228600" eaLnBrk="0" fontAlgn="base" hangingPunct="0">
+              <a:spcBef>
+                <a:spcPct val="0"/>
+              </a:spcBef>
+              <a:spcAft>
+                <a:spcPct val="0"/>
+              </a:spcAft>
+              <a:defRPr sz="2400">
+                <a:solidFill>
+                  <a:schemeClr val="tx1"/>
+                </a:solidFill>
+                <a:latin typeface="Times New Roman" pitchFamily="18" charset="0"/>
+                <a:cs typeface="Times New Roman" pitchFamily="18" charset="0"/>
+              </a:defRPr>
+            </a:lvl6pPr>
+            <a:lvl7pPr marL="2971800" indent="-228600" eaLnBrk="0" fontAlgn="base" hangingPunct="0">
+              <a:spcBef>
+                <a:spcPct val="0"/>
+              </a:spcBef>
+              <a:spcAft>
+                <a:spcPct val="0"/>
+              </a:spcAft>
+              <a:defRPr sz="2400">
+                <a:solidFill>
+                  <a:schemeClr val="tx1"/>
+                </a:solidFill>
+                <a:latin typeface="Times New Roman" pitchFamily="18" charset="0"/>
+                <a:cs typeface="Times New Roman" pitchFamily="18" charset="0"/>
+              </a:defRPr>
+            </a:lvl7pPr>
+            <a:lvl8pPr marL="3429000" indent="-228600" eaLnBrk="0" fontAlgn="base" hangingPunct="0">
+              <a:spcBef>
+                <a:spcPct val="0"/>
+              </a:spcBef>
+              <a:spcAft>
+                <a:spcPct val="0"/>
+              </a:spcAft>
+              <a:defRPr sz="2400">
+                <a:solidFill>
+                  <a:schemeClr val="tx1"/>
+                </a:solidFill>
+                <a:latin typeface="Times New Roman" pitchFamily="18" charset="0"/>
+                <a:cs typeface="Times New Roman" pitchFamily="18" charset="0"/>
+              </a:defRPr>
+            </a:lvl8pPr>
+            <a:lvl9pPr marL="3886200" indent="-228600" eaLnBrk="0" fontAlgn="base" hangingPunct="0">
+              <a:spcBef>
+                <a:spcPct val="0"/>
+              </a:spcBef>
+              <a:spcAft>
+                <a:spcPct val="0"/>
+              </a:spcAft>
+              <a:defRPr sz="2400">
+                <a:solidFill>
+                  <a:schemeClr val="tx1"/>
+                </a:solidFill>
+                <a:latin typeface="Times New Roman" pitchFamily="18" charset="0"/>
+                <a:cs typeface="Times New Roman" pitchFamily="18" charset="0"/>
+              </a:defRPr>
+            </a:lvl9pPr>
+          </a:lstStyle>
+          <a:p>
+            <a:pPr eaLnBrk="1" hangingPunct="1"/>
+            <a:fld id="{0C8D6F9C-108E-41BF-86F5-D26B3451BF1B}" type="slidenum">
+              <a:rPr lang="en-US" sz="1200" smtClean="0"/>
+              <a:pPr eaLnBrk="1" hangingPunct="1"/>
+              <a:t>2</a:t>
+            </a:fld>
+            <a:endParaRPr lang="en-US" sz="1200" smtClean="0"/>
+          </a:p>
+        </p:txBody>
+      </p:sp>
+      <p:sp>
+        <p:nvSpPr>
+          <p:cNvPr id="84995" name="Rectangle 2"/>
+          <p:cNvSpPr>
+            <a:spLocks noGrp="1" noRot="1" noChangeAspect="1" noChangeArrowheads="1" noTextEdit="1"/>
+          </p:cNvSpPr>
+          <p:nvPr>
+            <p:ph type="sldImg"/>
+          </p:nvPr>
+        </p:nvSpPr>
+        <p:spPr>
+          <a:ln/>
+        </p:spPr>
+      </p:sp>
+      <p:sp>
+        <p:nvSpPr>
+          <p:cNvPr id="31748" name="Rectangle 3"/>
+          <p:cNvSpPr>
+            <a:spLocks noGrp="1" noChangeArrowheads="1"/>
+          </p:cNvSpPr>
+          <p:nvPr>
+            <p:ph type="body" idx="1"/>
+          </p:nvPr>
+        </p:nvSpPr>
+        <p:spPr>
+          <a:ln/>
+        </p:spPr>
+        <p:txBody>
+          <a:bodyPr/>
+          <a:lstStyle/>
+          <a:p>
+            <a:pPr eaLnBrk="1" hangingPunct="1">
+              <a:defRPr/>
+            </a:pPr>
+            <a:r>
+              <a:rPr lang="en-GB" dirty="0" smtClean="0"/>
+              <a:t>Aircraft signature comprises radiation from the fuselage, the tailpipe and the plume, at the temperatures shown.</a:t>
+            </a:r>
+          </a:p>
+          <a:p>
+            <a:pPr eaLnBrk="1" hangingPunct="1">
+              <a:defRPr/>
+            </a:pPr>
+            <a:r>
+              <a:rPr lang="en-GB" dirty="0" smtClean="0"/>
+              <a:t>Contribution in different parts of the spectrum:</a:t>
+            </a:r>
+          </a:p>
+          <a:p>
+            <a:pPr indent="-180000" eaLnBrk="1" hangingPunct="1">
+              <a:buFont typeface="Arial" pitchFamily="34" charset="0"/>
+              <a:buChar char="•"/>
+              <a:defRPr/>
+            </a:pPr>
+            <a:r>
+              <a:rPr lang="en-GB" dirty="0" smtClean="0"/>
+              <a:t>Fuselage thermal signature dominates in the longer wavelength region.</a:t>
+            </a:r>
+          </a:p>
+          <a:p>
+            <a:pPr indent="-180000" eaLnBrk="1" hangingPunct="1">
+              <a:buFont typeface="Arial" pitchFamily="34" charset="0"/>
+              <a:buChar char="•"/>
+              <a:defRPr/>
+            </a:pPr>
+            <a:r>
+              <a:rPr lang="en-GB" dirty="0" smtClean="0"/>
+              <a:t>Fuselage reflection signature component contributes to the signature in SWIR band.</a:t>
+            </a:r>
+          </a:p>
+          <a:p>
+            <a:pPr indent="-180000" eaLnBrk="1" hangingPunct="1">
+              <a:buFont typeface="Arial" pitchFamily="34" charset="0"/>
+              <a:buChar char="•"/>
+              <a:defRPr/>
+            </a:pPr>
+            <a:r>
+              <a:rPr lang="en-GB" dirty="0" smtClean="0"/>
+              <a:t>Tailpipe contributes in all wavelength bands, peaking in the SWIR and MWIR bands.</a:t>
+            </a:r>
+          </a:p>
+          <a:p>
+            <a:pPr indent="-180000" eaLnBrk="1" hangingPunct="1">
+              <a:buFont typeface="Arial" pitchFamily="34" charset="0"/>
+              <a:buChar char="•"/>
+              <a:defRPr/>
+            </a:pPr>
+            <a:r>
+              <a:rPr lang="en-GB" dirty="0" smtClean="0"/>
+              <a:t>Plume signature varies depending on engine setting. For a non-afterburning aircraft the CO2 signature is mostly in the 3-5 um spectral band.  The afterburning plume emits in all spectral bands.</a:t>
+            </a:r>
+          </a:p>
+          <a:p>
+            <a:pPr indent="-180000" eaLnBrk="1" hangingPunct="1">
+              <a:buFont typeface="Arial" pitchFamily="34" charset="0"/>
+              <a:buChar char="•"/>
+              <a:defRPr/>
+            </a:pPr>
+            <a:r>
+              <a:rPr lang="en-GB" dirty="0" smtClean="0"/>
+              <a:t>In the visual spectral band, the aircraft may appear dark against the blue or overcast sky, when seen from below.  This is a negative contrast, indicated in black on the graph.</a:t>
+            </a:r>
+          </a:p>
+        </p:txBody>
+      </p:sp>
+    </p:spTree>
+    <p:extLst>
+      <p:ext uri="{BB962C8B-B14F-4D97-AF65-F5344CB8AC3E}">
+        <p14:creationId xmlns:p14="http://schemas.microsoft.com/office/powerpoint/2010/main" val="1404289751"/>
       </p:ext>
     </p:extLst>
   </p:cSld>
@@ -3958,6 +4252,253 @@
     <p:bldLst>
       <p:bldP spid="17" grpId="0"/>
     </p:bldLst>
+  </p:timing>
+</p:sld>
+</file>
+
+<file path=ppt/slides/slide2.xml><?xml version="1.0" encoding="utf-8"?>
+<p:sld xmlns:a="http://schemas.openxmlformats.org/drawingml/2006/main" xmlns:r="http://schemas.openxmlformats.org/officeDocument/2006/relationships" xmlns:p="http://schemas.openxmlformats.org/presentationml/2006/main">
+  <p:cSld>
+    <p:spTree>
+      <p:nvGrpSpPr>
+        <p:cNvPr id="1" name=""/>
+        <p:cNvGrpSpPr/>
+        <p:nvPr/>
+      </p:nvGrpSpPr>
+      <p:grpSpPr>
+        <a:xfrm>
+          <a:off x="0" y="0"/>
+          <a:ext cx="0" cy="0"/>
+          <a:chOff x="0" y="0"/>
+          <a:chExt cx="0" cy="0"/>
+        </a:xfrm>
+      </p:grpSpPr>
+      <p:pic>
+        <p:nvPicPr>
+          <p:cNvPr id="46084" name="Picture 6" descr="aircraft-signatures-picture.png"/>
+          <p:cNvPicPr>
+            <a:picLocks noChangeAspect="1"/>
+          </p:cNvPicPr>
+          <p:nvPr/>
+        </p:nvPicPr>
+        <p:blipFill>
+          <a:blip r:embed="rId3" cstate="email">
+            <a:extLst>
+              <a:ext uri="{28A0092B-C50C-407E-A947-70E740481C1C}">
+                <a14:useLocalDpi xmlns:a14="http://schemas.microsoft.com/office/drawing/2010/main" val="0"/>
+              </a:ext>
+            </a:extLst>
+          </a:blip>
+          <a:srcRect/>
+          <a:stretch>
+            <a:fillRect/>
+          </a:stretch>
+        </p:blipFill>
+        <p:spPr bwMode="auto">
+          <a:xfrm>
+            <a:off x="1524000" y="1196753"/>
+            <a:ext cx="9080500" cy="1719263"/>
+          </a:xfrm>
+          <a:prstGeom prst="rect">
+            <a:avLst/>
+          </a:prstGeom>
+          <a:noFill/>
+          <a:ln>
+            <a:noFill/>
+          </a:ln>
+          <a:extLst>
+            <a:ext uri="{909E8E84-426E-40DD-AFC4-6F175D3DCCD1}">
+              <a14:hiddenFill xmlns:a14="http://schemas.microsoft.com/office/drawing/2010/main">
+                <a:solidFill>
+                  <a:srgbClr val="FFFFFF"/>
+                </a:solidFill>
+              </a14:hiddenFill>
+            </a:ext>
+            <a:ext uri="{91240B29-F687-4F45-9708-019B960494DF}">
+              <a14:hiddenLine xmlns:a14="http://schemas.microsoft.com/office/drawing/2010/main" w="9525">
+                <a:solidFill>
+                  <a:srgbClr val="000000"/>
+                </a:solidFill>
+                <a:miter lim="800000"/>
+                <a:headEnd/>
+                <a:tailEnd/>
+              </a14:hiddenLine>
+            </a:ext>
+          </a:extLst>
+        </p:spPr>
+      </p:pic>
+      <p:pic>
+        <p:nvPicPr>
+          <p:cNvPr id="18437" name="Picture 7" descr="aircraftspectralsignature.png"/>
+          <p:cNvPicPr>
+            <a:picLocks noChangeAspect="1"/>
+          </p:cNvPicPr>
+          <p:nvPr/>
+        </p:nvPicPr>
+        <p:blipFill>
+          <a:blip r:embed="rId4" cstate="email">
+            <a:extLst>
+              <a:ext uri="{28A0092B-C50C-407E-A947-70E740481C1C}">
+                <a14:useLocalDpi xmlns:a14="http://schemas.microsoft.com/office/drawing/2010/main" val="0"/>
+              </a:ext>
+            </a:extLst>
+          </a:blip>
+          <a:srcRect/>
+          <a:stretch>
+            <a:fillRect/>
+          </a:stretch>
+        </p:blipFill>
+        <p:spPr bwMode="auto">
+          <a:xfrm>
+            <a:off x="6319838" y="2797176"/>
+            <a:ext cx="4284662" cy="3560763"/>
+          </a:xfrm>
+          <a:prstGeom prst="rect">
+            <a:avLst/>
+          </a:prstGeom>
+          <a:noFill/>
+          <a:ln>
+            <a:noFill/>
+          </a:ln>
+          <a:extLst>
+            <a:ext uri="{909E8E84-426E-40DD-AFC4-6F175D3DCCD1}">
+              <a14:hiddenFill xmlns:a14="http://schemas.microsoft.com/office/drawing/2010/main">
+                <a:solidFill>
+                  <a:srgbClr val="FFFFFF"/>
+                </a:solidFill>
+              </a14:hiddenFill>
+            </a:ext>
+            <a:ext uri="{91240B29-F687-4F45-9708-019B960494DF}">
+              <a14:hiddenLine xmlns:a14="http://schemas.microsoft.com/office/drawing/2010/main" w="9525">
+                <a:solidFill>
+                  <a:srgbClr val="000000"/>
+                </a:solidFill>
+                <a:miter lim="800000"/>
+                <a:headEnd/>
+                <a:tailEnd/>
+              </a14:hiddenLine>
+            </a:ext>
+          </a:extLst>
+        </p:spPr>
+      </p:pic>
+      <p:pic>
+        <p:nvPicPr>
+          <p:cNvPr id="6" name="Picture 5"/>
+          <p:cNvPicPr>
+            <a:picLocks noChangeAspect="1"/>
+          </p:cNvPicPr>
+          <p:nvPr/>
+        </p:nvPicPr>
+        <p:blipFill>
+          <a:blip r:embed="rId5" cstate="print">
+            <a:extLst>
+              <a:ext uri="{28A0092B-C50C-407E-A947-70E740481C1C}">
+                <a14:useLocalDpi xmlns:a14="http://schemas.microsoft.com/office/drawing/2010/main" val="0"/>
+              </a:ext>
+            </a:extLst>
+          </a:blip>
+          <a:stretch>
+            <a:fillRect/>
+          </a:stretch>
+        </p:blipFill>
+        <p:spPr>
+          <a:xfrm>
+            <a:off x="2662630" y="2797176"/>
+            <a:ext cx="3560763" cy="3560763"/>
+          </a:xfrm>
+          <a:prstGeom prst="rect">
+            <a:avLst/>
+          </a:prstGeom>
+        </p:spPr>
+      </p:pic>
+    </p:spTree>
+    <p:extLst>
+      <p:ext uri="{BB962C8B-B14F-4D97-AF65-F5344CB8AC3E}">
+        <p14:creationId xmlns:p14="http://schemas.microsoft.com/office/powerpoint/2010/main" val="3086427663"/>
+      </p:ext>
+    </p:extLst>
+  </p:cSld>
+  <p:clrMapOvr>
+    <a:masterClrMapping/>
+  </p:clrMapOvr>
+  <p:transition/>
+  <p:timing>
+    <p:tnLst>
+      <p:par>
+        <p:cTn id="1" dur="indefinite" restart="never" nodeType="tmRoot">
+          <p:childTnLst>
+            <p:seq concurrent="1" nextAc="seek">
+              <p:cTn id="2" dur="indefinite" nodeType="mainSeq">
+                <p:childTnLst>
+                  <p:par>
+                    <p:cTn id="3" fill="hold" nodeType="clickPar">
+                      <p:stCondLst>
+                        <p:cond delay="indefinite"/>
+                        <p:cond evt="onBegin" delay="0">
+                          <p:tn val="2"/>
+                        </p:cond>
+                      </p:stCondLst>
+                      <p:childTnLst>
+                        <p:par>
+                          <p:cTn id="4" fill="hold" nodeType="withGroup">
+                            <p:stCondLst>
+                              <p:cond delay="0"/>
+                            </p:stCondLst>
+                            <p:childTnLst>
+                              <p:par>
+                                <p:cTn id="5" presetID="1" presetClass="entr" presetSubtype="0" fill="hold" nodeType="withEffect">
+                                  <p:stCondLst>
+                                    <p:cond delay="0"/>
+                                  </p:stCondLst>
+                                  <p:childTnLst>
+                                    <p:set>
+                                      <p:cBhvr>
+                                        <p:cTn id="6" dur="1" fill="hold">
+                                          <p:stCondLst>
+                                            <p:cond delay="0"/>
+                                          </p:stCondLst>
+                                        </p:cTn>
+                                        <p:tgtEl>
+                                          <p:spTgt spid="18437"/>
+                                        </p:tgtEl>
+                                        <p:attrNameLst>
+                                          <p:attrName>style.visibility</p:attrName>
+                                        </p:attrNameLst>
+                                      </p:cBhvr>
+                                      <p:to>
+                                        <p:strVal val="visible"/>
+                                      </p:to>
+                                    </p:set>
+                                  </p:childTnLst>
+                                </p:cTn>
+                              </p:par>
+                            </p:childTnLst>
+                          </p:cTn>
+                        </p:par>
+                      </p:childTnLst>
+                    </p:cTn>
+                  </p:par>
+                </p:childTnLst>
+              </p:cTn>
+              <p:prevCondLst>
+                <p:cond evt="onPrev" delay="0">
+                  <p:tgtEl>
+                    <p:sldTgt/>
+                  </p:tgtEl>
+                </p:cond>
+              </p:prevCondLst>
+              <p:nextCondLst>
+                <p:cond evt="onNext" delay="0">
+                  <p:tgtEl>
+                    <p:sldTgt/>
+                  </p:tgtEl>
+                </p:cond>
+              </p:nextCondLst>
+            </p:seq>
+          </p:childTnLst>
+        </p:cTn>
+      </p:par>
+    </p:tnLst>
   </p:timing>
 </p:sld>
 </file>
